--- a/Assignments/Streams_In_Java.pptx
+++ b/Assignments/Streams_In_Java.pptx
@@ -335,7 +335,7 @@
             <a:fld id="{1D8BD707-D9CF-40AE-B4C6-C98DA3205C09}" type="datetimeFigureOut">
               <a:rPr lang="en-US" smtClean="0"/>
               <a:pPr/>
-              <a:t>4/6/2025</a:t>
+              <a:t>4/7/2025</a:t>
             </a:fld>
             <a:endParaRPr lang="en-US"/>
           </a:p>
@@ -500,7 +500,7 @@
             <a:fld id="{1D8BD707-D9CF-40AE-B4C6-C98DA3205C09}" type="datetimeFigureOut">
               <a:rPr lang="en-US" smtClean="0"/>
               <a:pPr/>
-              <a:t>4/6/2025</a:t>
+              <a:t>4/7/2025</a:t>
             </a:fld>
             <a:endParaRPr lang="en-US"/>
           </a:p>
@@ -675,7 +675,7 @@
             <a:fld id="{1D8BD707-D9CF-40AE-B4C6-C98DA3205C09}" type="datetimeFigureOut">
               <a:rPr lang="en-US" smtClean="0"/>
               <a:pPr/>
-              <a:t>4/6/2025</a:t>
+              <a:t>4/7/2025</a:t>
             </a:fld>
             <a:endParaRPr lang="en-US"/>
           </a:p>
@@ -840,7 +840,7 @@
             <a:fld id="{1D8BD707-D9CF-40AE-B4C6-C98DA3205C09}" type="datetimeFigureOut">
               <a:rPr lang="en-US" smtClean="0"/>
               <a:pPr/>
-              <a:t>4/6/2025</a:t>
+              <a:t>4/7/2025</a:t>
             </a:fld>
             <a:endParaRPr lang="en-US"/>
           </a:p>
@@ -1082,7 +1082,7 @@
             <a:fld id="{1D8BD707-D9CF-40AE-B4C6-C98DA3205C09}" type="datetimeFigureOut">
               <a:rPr lang="en-US" smtClean="0"/>
               <a:pPr/>
-              <a:t>4/6/2025</a:t>
+              <a:t>4/7/2025</a:t>
             </a:fld>
             <a:endParaRPr lang="en-US"/>
           </a:p>
@@ -1364,7 +1364,7 @@
             <a:fld id="{1D8BD707-D9CF-40AE-B4C6-C98DA3205C09}" type="datetimeFigureOut">
               <a:rPr lang="en-US" smtClean="0"/>
               <a:pPr/>
-              <a:t>4/6/2025</a:t>
+              <a:t>4/7/2025</a:t>
             </a:fld>
             <a:endParaRPr lang="en-US"/>
           </a:p>
@@ -1780,7 +1780,7 @@
             <a:fld id="{1D8BD707-D9CF-40AE-B4C6-C98DA3205C09}" type="datetimeFigureOut">
               <a:rPr lang="en-US" smtClean="0"/>
               <a:pPr/>
-              <a:t>4/6/2025</a:t>
+              <a:t>4/7/2025</a:t>
             </a:fld>
             <a:endParaRPr lang="en-US"/>
           </a:p>
@@ -1894,7 +1894,7 @@
             <a:fld id="{1D8BD707-D9CF-40AE-B4C6-C98DA3205C09}" type="datetimeFigureOut">
               <a:rPr lang="en-US" smtClean="0"/>
               <a:pPr/>
-              <a:t>4/6/2025</a:t>
+              <a:t>4/7/2025</a:t>
             </a:fld>
             <a:endParaRPr lang="en-US"/>
           </a:p>
@@ -1986,7 +1986,7 @@
             <a:fld id="{1D8BD707-D9CF-40AE-B4C6-C98DA3205C09}" type="datetimeFigureOut">
               <a:rPr lang="en-US" smtClean="0"/>
               <a:pPr/>
-              <a:t>4/6/2025</a:t>
+              <a:t>4/7/2025</a:t>
             </a:fld>
             <a:endParaRPr lang="en-US"/>
           </a:p>
@@ -2258,7 +2258,7 @@
             <a:fld id="{1D8BD707-D9CF-40AE-B4C6-C98DA3205C09}" type="datetimeFigureOut">
               <a:rPr lang="en-US" smtClean="0"/>
               <a:pPr/>
-              <a:t>4/6/2025</a:t>
+              <a:t>4/7/2025</a:t>
             </a:fld>
             <a:endParaRPr lang="en-US"/>
           </a:p>
@@ -2507,7 +2507,7 @@
             <a:fld id="{1D8BD707-D9CF-40AE-B4C6-C98DA3205C09}" type="datetimeFigureOut">
               <a:rPr lang="en-US" smtClean="0"/>
               <a:pPr/>
-              <a:t>4/6/2025</a:t>
+              <a:t>4/7/2025</a:t>
             </a:fld>
             <a:endParaRPr lang="en-US"/>
           </a:p>
@@ -2715,7 +2715,7 @@
             <a:fld id="{1D8BD707-D9CF-40AE-B4C6-C98DA3205C09}" type="datetimeFigureOut">
               <a:rPr lang="en-US" smtClean="0"/>
               <a:pPr/>
-              <a:t>4/6/2025</a:t>
+              <a:t>4/7/2025</a:t>
             </a:fld>
             <a:endParaRPr lang="en-US"/>
           </a:p>

--- a/Assignments/Streams_In_Java.pptx
+++ b/Assignments/Streams_In_Java.pptx
@@ -335,7 +335,7 @@
             <a:fld id="{1D8BD707-D9CF-40AE-B4C6-C98DA3205C09}" type="datetimeFigureOut">
               <a:rPr lang="en-US" smtClean="0"/>
               <a:pPr/>
-              <a:t>4/7/2025</a:t>
+              <a:t>5/7/2025</a:t>
             </a:fld>
             <a:endParaRPr lang="en-US"/>
           </a:p>
@@ -500,7 +500,7 @@
             <a:fld id="{1D8BD707-D9CF-40AE-B4C6-C98DA3205C09}" type="datetimeFigureOut">
               <a:rPr lang="en-US" smtClean="0"/>
               <a:pPr/>
-              <a:t>4/7/2025</a:t>
+              <a:t>5/7/2025</a:t>
             </a:fld>
             <a:endParaRPr lang="en-US"/>
           </a:p>
@@ -675,7 +675,7 @@
             <a:fld id="{1D8BD707-D9CF-40AE-B4C6-C98DA3205C09}" type="datetimeFigureOut">
               <a:rPr lang="en-US" smtClean="0"/>
               <a:pPr/>
-              <a:t>4/7/2025</a:t>
+              <a:t>5/7/2025</a:t>
             </a:fld>
             <a:endParaRPr lang="en-US"/>
           </a:p>
@@ -840,7 +840,7 @@
             <a:fld id="{1D8BD707-D9CF-40AE-B4C6-C98DA3205C09}" type="datetimeFigureOut">
               <a:rPr lang="en-US" smtClean="0"/>
               <a:pPr/>
-              <a:t>4/7/2025</a:t>
+              <a:t>5/7/2025</a:t>
             </a:fld>
             <a:endParaRPr lang="en-US"/>
           </a:p>
@@ -1082,7 +1082,7 @@
             <a:fld id="{1D8BD707-D9CF-40AE-B4C6-C98DA3205C09}" type="datetimeFigureOut">
               <a:rPr lang="en-US" smtClean="0"/>
               <a:pPr/>
-              <a:t>4/7/2025</a:t>
+              <a:t>5/7/2025</a:t>
             </a:fld>
             <a:endParaRPr lang="en-US"/>
           </a:p>
@@ -1364,7 +1364,7 @@
             <a:fld id="{1D8BD707-D9CF-40AE-B4C6-C98DA3205C09}" type="datetimeFigureOut">
               <a:rPr lang="en-US" smtClean="0"/>
               <a:pPr/>
-              <a:t>4/7/2025</a:t>
+              <a:t>5/7/2025</a:t>
             </a:fld>
             <a:endParaRPr lang="en-US"/>
           </a:p>
@@ -1780,7 +1780,7 @@
             <a:fld id="{1D8BD707-D9CF-40AE-B4C6-C98DA3205C09}" type="datetimeFigureOut">
               <a:rPr lang="en-US" smtClean="0"/>
               <a:pPr/>
-              <a:t>4/7/2025</a:t>
+              <a:t>5/7/2025</a:t>
             </a:fld>
             <a:endParaRPr lang="en-US"/>
           </a:p>
@@ -1894,7 +1894,7 @@
             <a:fld id="{1D8BD707-D9CF-40AE-B4C6-C98DA3205C09}" type="datetimeFigureOut">
               <a:rPr lang="en-US" smtClean="0"/>
               <a:pPr/>
-              <a:t>4/7/2025</a:t>
+              <a:t>5/7/2025</a:t>
             </a:fld>
             <a:endParaRPr lang="en-US"/>
           </a:p>
@@ -1986,7 +1986,7 @@
             <a:fld id="{1D8BD707-D9CF-40AE-B4C6-C98DA3205C09}" type="datetimeFigureOut">
               <a:rPr lang="en-US" smtClean="0"/>
               <a:pPr/>
-              <a:t>4/7/2025</a:t>
+              <a:t>5/7/2025</a:t>
             </a:fld>
             <a:endParaRPr lang="en-US"/>
           </a:p>
@@ -2258,7 +2258,7 @@
             <a:fld id="{1D8BD707-D9CF-40AE-B4C6-C98DA3205C09}" type="datetimeFigureOut">
               <a:rPr lang="en-US" smtClean="0"/>
               <a:pPr/>
-              <a:t>4/7/2025</a:t>
+              <a:t>5/7/2025</a:t>
             </a:fld>
             <a:endParaRPr lang="en-US"/>
           </a:p>
@@ -2507,7 +2507,7 @@
             <a:fld id="{1D8BD707-D9CF-40AE-B4C6-C98DA3205C09}" type="datetimeFigureOut">
               <a:rPr lang="en-US" smtClean="0"/>
               <a:pPr/>
-              <a:t>4/7/2025</a:t>
+              <a:t>5/7/2025</a:t>
             </a:fld>
             <a:endParaRPr lang="en-US"/>
           </a:p>
@@ -2715,7 +2715,7 @@
             <a:fld id="{1D8BD707-D9CF-40AE-B4C6-C98DA3205C09}" type="datetimeFigureOut">
               <a:rPr lang="en-US" smtClean="0"/>
               <a:pPr/>
-              <a:t>4/7/2025</a:t>
+              <a:t>5/7/2025</a:t>
             </a:fld>
             <a:endParaRPr lang="en-US"/>
           </a:p>
